--- a/Teacher/project-training.pptx
+++ b/Teacher/project-training.pptx
@@ -3090,7 +3090,15 @@
             <a:pPr algn="l"/>
             <a:r>
               <a:rPr lang="x-none" altLang="en-GB" sz="2000"/>
-              <a:t>Gallien ?</a:t>
+              <a:t>Gallien Wong</a:t>
+            </a:r>
+            <a:endParaRPr lang="x-none" altLang="en-GB" sz="2000"/>
+          </a:p>
+          <a:p>
+            <a:pPr algn="l"/>
+            <a:r>
+              <a:rPr lang="x-none" altLang="en-GB" sz="2000"/>
+              <a:t>Alexis Pottier</a:t>
             </a:r>
             <a:endParaRPr lang="x-none" altLang="en-GB" sz="2000"/>
           </a:p>
@@ -3482,7 +3490,7 @@
             </a:pPr>
             <a:r>
               <a:rPr lang="x-none" altLang="en-GB" sz="2000"/>
-              <a:t>src/main/ -&gt; source file of the project.</a:t>
+              <a:t>src/main/ -&gt; source files of the project.</a:t>
             </a:r>
             <a:endParaRPr lang="x-none" altLang="en-GB" sz="2000"/>
           </a:p>
@@ -3591,7 +3599,15 @@
           <a:p>
             <a:r>
               <a:rPr lang="en-GB" altLang="en-US" sz="2400"/>
-              <a:t>We can handle text file in entry (like the one you gave to us in classes), calculate SD1 , SD2 , RR interval and ????????/ QRS DETECTION ???????? And finally give an alert depending of these result.</a:t>
+              <a:t>We can handle text file in entry (like the one you gave to us in classes), calculate SD1 , SD2 , RR interval</a:t>
+            </a:r>
+            <a:r>
+              <a:rPr lang="x-none" altLang="en-GB" sz="2400"/>
+              <a:t>.</a:t>
+            </a:r>
+            <a:r>
+              <a:rPr lang="en-GB" altLang="en-US" sz="2400"/>
+              <a:t> And finally give an alert depending of these result.</a:t>
             </a:r>
             <a:endParaRPr lang="en-GB" altLang="en-US" sz="2400"/>
           </a:p>

--- a/Teacher/project-training.pptx
+++ b/Teacher/project-training.pptx
@@ -3788,13 +3788,14 @@
         </p:nvPicPr>
         <p:blipFill>
           <a:blip r:embed="rId1"/>
+          <a:srcRect l="87" t="-1159" r="-87" b="1159"/>
           <a:stretch>
             <a:fillRect/>
           </a:stretch>
         </p:blipFill>
         <p:spPr>
           <a:xfrm>
-            <a:off x="239395" y="486410"/>
+            <a:off x="239395" y="16510"/>
             <a:ext cx="11743690" cy="5807710"/>
           </a:xfrm>
           <a:prstGeom prst="rect">
